--- a/프로젝트.pptx
+++ b/프로젝트.pptx
@@ -12,18 +12,25 @@
     <p:sldId id="262" r:id="rId6"/>
     <p:sldId id="260" r:id="rId7"/>
     <p:sldId id="263" r:id="rId8"/>
+    <p:sldId id="264" r:id="rId9"/>
+    <p:sldId id="265" r:id="rId10"/>
+    <p:sldId id="266" r:id="rId11"/>
+    <p:sldId id="269" r:id="rId12"/>
+    <p:sldId id="270" r:id="rId13"/>
+    <p:sldId id="267" r:id="rId14"/>
+    <p:sldId id="268" r:id="rId15"/>
   </p:sldIdLst>
   <p:sldSz cx="12192000" cy="6858000"/>
   <p:notesSz cx="6858000" cy="9144000"/>
   <p:embeddedFontLst>
     <p:embeddedFont>
       <p:font typeface="긱블말랑이" panose="020D0504000000000000" pitchFamily="34" charset="-127"/>
-      <p:regular r:id="rId9"/>
+      <p:regular r:id="rId16"/>
     </p:embeddedFont>
     <p:embeddedFont>
       <p:font typeface="맑은 고딕" panose="020B0503020000020004" pitchFamily="50" charset="-127"/>
-      <p:regular r:id="rId10"/>
-      <p:bold r:id="rId11"/>
+      <p:regular r:id="rId17"/>
+      <p:bold r:id="rId18"/>
     </p:embeddedFont>
   </p:embeddedFontLst>
   <p:defaultTextStyle>
@@ -3446,6 +3453,1390 @@
 </p:sld>
 </file>
 
+<file path=ppt/slides/slide10.xml><?xml version="1.0" encoding="utf-8"?>
+<p:sld xmlns:a="http://schemas.openxmlformats.org/drawingml/2006/main" xmlns:r="http://schemas.openxmlformats.org/officeDocument/2006/relationships" xmlns:p="http://schemas.openxmlformats.org/presentationml/2006/main">
+  <p:cSld>
+    <p:spTree>
+      <p:nvGrpSpPr>
+        <p:cNvPr id="1" name=""/>
+        <p:cNvGrpSpPr/>
+        <p:nvPr/>
+      </p:nvGrpSpPr>
+      <p:grpSpPr>
+        <a:xfrm>
+          <a:off x="0" y="0"/>
+          <a:ext cx="0" cy="0"/>
+          <a:chOff x="0" y="0"/>
+          <a:chExt cx="0" cy="0"/>
+        </a:xfrm>
+      </p:grpSpPr>
+      <p:sp>
+        <p:nvSpPr>
+          <p:cNvPr id="2" name="제목 1">
+            <a:extLst>
+              <a:ext uri="{FF2B5EF4-FFF2-40B4-BE49-F238E27FC236}">
+                <a16:creationId xmlns:a16="http://schemas.microsoft.com/office/drawing/2014/main" id="{F2ABE10A-17B3-B0A3-45B9-D64E7754A431}"/>
+              </a:ext>
+            </a:extLst>
+          </p:cNvPr>
+          <p:cNvSpPr>
+            <a:spLocks noGrp="1"/>
+          </p:cNvSpPr>
+          <p:nvPr>
+            <p:ph type="title"/>
+          </p:nvPr>
+        </p:nvSpPr>
+        <p:spPr/>
+        <p:txBody>
+          <a:bodyPr/>
+          <a:lstStyle/>
+          <a:p>
+            <a:r>
+              <a:rPr lang="ko-KR" altLang="en-US" dirty="0">
+                <a:latin typeface="긱블말랑이" panose="020D0504000000000000" pitchFamily="34" charset="-127"/>
+                <a:ea typeface="긱블말랑이" panose="020D0504000000000000" pitchFamily="34" charset="-127"/>
+              </a:rPr>
+              <a:t>게임 기획 </a:t>
+            </a:r>
+            <a:r>
+              <a:rPr lang="en-US" altLang="ko-KR" dirty="0">
+                <a:latin typeface="긱블말랑이" panose="020D0504000000000000" pitchFamily="34" charset="-127"/>
+                <a:ea typeface="긱블말랑이" panose="020D0504000000000000" pitchFamily="34" charset="-127"/>
+              </a:rPr>
+              <a:t>- </a:t>
+            </a:r>
+            <a:r>
+              <a:rPr lang="ko-KR" altLang="en-US" dirty="0">
+                <a:latin typeface="긱블말랑이" panose="020D0504000000000000" pitchFamily="34" charset="-127"/>
+                <a:ea typeface="긱블말랑이" panose="020D0504000000000000" pitchFamily="34" charset="-127"/>
+              </a:rPr>
+              <a:t>게임 플레이</a:t>
+            </a:r>
+          </a:p>
+        </p:txBody>
+      </p:sp>
+      <p:sp>
+        <p:nvSpPr>
+          <p:cNvPr id="3" name="내용 개체 틀 2">
+            <a:extLst>
+              <a:ext uri="{FF2B5EF4-FFF2-40B4-BE49-F238E27FC236}">
+                <a16:creationId xmlns:a16="http://schemas.microsoft.com/office/drawing/2014/main" id="{76787FBA-D999-0698-354E-5B54B202BAB2}"/>
+              </a:ext>
+            </a:extLst>
+          </p:cNvPr>
+          <p:cNvSpPr>
+            <a:spLocks noGrp="1"/>
+          </p:cNvSpPr>
+          <p:nvPr>
+            <p:ph idx="1"/>
+          </p:nvPr>
+        </p:nvSpPr>
+        <p:spPr/>
+        <p:txBody>
+          <a:bodyPr/>
+          <a:lstStyle/>
+          <a:p>
+            <a:pPr marL="0" indent="0">
+              <a:buNone/>
+            </a:pPr>
+            <a:r>
+              <a:rPr lang="en-US" altLang="ko-KR" dirty="0">
+                <a:latin typeface="긱블말랑이" panose="020D0504000000000000" pitchFamily="34" charset="-127"/>
+                <a:ea typeface="긱블말랑이" panose="020D0504000000000000" pitchFamily="34" charset="-127"/>
+              </a:rPr>
+              <a:t>- </a:t>
+            </a:r>
+            <a:r>
+              <a:rPr lang="ko-KR" altLang="en-US" dirty="0">
+                <a:latin typeface="긱블말랑이" panose="020D0504000000000000" pitchFamily="34" charset="-127"/>
+                <a:ea typeface="긱블말랑이" panose="020D0504000000000000" pitchFamily="34" charset="-127"/>
+              </a:rPr>
+              <a:t>허들</a:t>
+            </a:r>
+            <a:endParaRPr lang="en-US" altLang="ko-KR" dirty="0">
+              <a:latin typeface="긱블말랑이" panose="020D0504000000000000" pitchFamily="34" charset="-127"/>
+              <a:ea typeface="긱블말랑이" panose="020D0504000000000000" pitchFamily="34" charset="-127"/>
+            </a:endParaRPr>
+          </a:p>
+          <a:p>
+            <a:pPr marL="0" indent="0">
+              <a:buNone/>
+            </a:pPr>
+            <a:r>
+              <a:rPr lang="en-US" altLang="ko-KR" dirty="0">
+                <a:latin typeface="긱블말랑이" panose="020D0504000000000000" pitchFamily="34" charset="-127"/>
+                <a:ea typeface="긱블말랑이" panose="020D0504000000000000" pitchFamily="34" charset="-127"/>
+              </a:rPr>
+              <a:t>	</a:t>
+            </a:r>
+            <a:r>
+              <a:rPr lang="ko-KR" altLang="en-US" dirty="0">
+                <a:latin typeface="긱블말랑이" panose="020D0504000000000000" pitchFamily="34" charset="-127"/>
+                <a:ea typeface="긱블말랑이" panose="020D0504000000000000" pitchFamily="34" charset="-127"/>
+              </a:rPr>
+              <a:t>정해진 거리를 </a:t>
+            </a:r>
+            <a:r>
+              <a:rPr lang="ko-KR" altLang="en-US" dirty="0" err="1">
+                <a:latin typeface="긱블말랑이" panose="020D0504000000000000" pitchFamily="34" charset="-127"/>
+                <a:ea typeface="긱블말랑이" panose="020D0504000000000000" pitchFamily="34" charset="-127"/>
+              </a:rPr>
+              <a:t>완주하는게</a:t>
+            </a:r>
+            <a:r>
+              <a:rPr lang="ko-KR" altLang="en-US" dirty="0">
+                <a:latin typeface="긱블말랑이" panose="020D0504000000000000" pitchFamily="34" charset="-127"/>
+                <a:ea typeface="긱블말랑이" panose="020D0504000000000000" pitchFamily="34" charset="-127"/>
+              </a:rPr>
+              <a:t> 목표</a:t>
+            </a:r>
+            <a:endParaRPr lang="en-US" altLang="ko-KR" dirty="0">
+              <a:latin typeface="긱블말랑이" panose="020D0504000000000000" pitchFamily="34" charset="-127"/>
+              <a:ea typeface="긱블말랑이" panose="020D0504000000000000" pitchFamily="34" charset="-127"/>
+            </a:endParaRPr>
+          </a:p>
+          <a:p>
+            <a:pPr marL="0" indent="0">
+              <a:buNone/>
+            </a:pPr>
+            <a:r>
+              <a:rPr lang="en-US" altLang="ko-KR" dirty="0">
+                <a:latin typeface="긱블말랑이" panose="020D0504000000000000" pitchFamily="34" charset="-127"/>
+                <a:ea typeface="긱블말랑이" panose="020D0504000000000000" pitchFamily="34" charset="-127"/>
+              </a:rPr>
+              <a:t>	</a:t>
+            </a:r>
+            <a:r>
+              <a:rPr lang="ko-KR" altLang="en-US" dirty="0">
+                <a:latin typeface="긱블말랑이" panose="020D0504000000000000" pitchFamily="34" charset="-127"/>
+                <a:ea typeface="긱블말랑이" panose="020D0504000000000000" pitchFamily="34" charset="-127"/>
+              </a:rPr>
+              <a:t>리듬게임처럼 노드가 존재하며 노드에 맞게 스페이스바를 입력</a:t>
+            </a:r>
+            <a:endParaRPr lang="en-US" altLang="ko-KR" dirty="0">
+              <a:latin typeface="긱블말랑이" panose="020D0504000000000000" pitchFamily="34" charset="-127"/>
+              <a:ea typeface="긱블말랑이" panose="020D0504000000000000" pitchFamily="34" charset="-127"/>
+            </a:endParaRPr>
+          </a:p>
+          <a:p>
+            <a:pPr marL="0" indent="0">
+              <a:buNone/>
+            </a:pPr>
+            <a:r>
+              <a:rPr lang="en-US" altLang="ko-KR" dirty="0">
+                <a:latin typeface="긱블말랑이" panose="020D0504000000000000" pitchFamily="34" charset="-127"/>
+                <a:ea typeface="긱블말랑이" panose="020D0504000000000000" pitchFamily="34" charset="-127"/>
+              </a:rPr>
+              <a:t>	</a:t>
+            </a:r>
+            <a:r>
+              <a:rPr lang="ko-KR" altLang="en-US" dirty="0">
+                <a:latin typeface="긱블말랑이" panose="020D0504000000000000" pitchFamily="34" charset="-127"/>
+                <a:ea typeface="긱블말랑이" panose="020D0504000000000000" pitchFamily="34" charset="-127"/>
+              </a:rPr>
+              <a:t>스페이스바 입력은 캐릭터가 허들을 </a:t>
+            </a:r>
+            <a:r>
+              <a:rPr lang="ko-KR" altLang="en-US" dirty="0" err="1">
+                <a:latin typeface="긱블말랑이" panose="020D0504000000000000" pitchFamily="34" charset="-127"/>
+                <a:ea typeface="긱블말랑이" panose="020D0504000000000000" pitchFamily="34" charset="-127"/>
+              </a:rPr>
+              <a:t>넘는거와</a:t>
+            </a:r>
+            <a:r>
+              <a:rPr lang="ko-KR" altLang="en-US" dirty="0">
+                <a:latin typeface="긱블말랑이" panose="020D0504000000000000" pitchFamily="34" charset="-127"/>
+                <a:ea typeface="긱블말랑이" panose="020D0504000000000000" pitchFamily="34" charset="-127"/>
+              </a:rPr>
+              <a:t> 같음</a:t>
+            </a:r>
+            <a:endParaRPr lang="en-US" altLang="ko-KR" dirty="0">
+              <a:latin typeface="긱블말랑이" panose="020D0504000000000000" pitchFamily="34" charset="-127"/>
+              <a:ea typeface="긱블말랑이" panose="020D0504000000000000" pitchFamily="34" charset="-127"/>
+            </a:endParaRPr>
+          </a:p>
+          <a:p>
+            <a:pPr marL="0" indent="0">
+              <a:buNone/>
+            </a:pPr>
+            <a:r>
+              <a:rPr lang="en-US" altLang="ko-KR" dirty="0">
+                <a:latin typeface="긱블말랑이" panose="020D0504000000000000" pitchFamily="34" charset="-127"/>
+                <a:ea typeface="긱블말랑이" panose="020D0504000000000000" pitchFamily="34" charset="-127"/>
+              </a:rPr>
+              <a:t>	</a:t>
+            </a:r>
+            <a:r>
+              <a:rPr lang="ko-KR" altLang="en-US" dirty="0">
+                <a:latin typeface="긱블말랑이" panose="020D0504000000000000" pitchFamily="34" charset="-127"/>
+                <a:ea typeface="긱블말랑이" panose="020D0504000000000000" pitchFamily="34" charset="-127"/>
+              </a:rPr>
+              <a:t>스페이스바 입력 타이밍에 따라 캐릭터 이동속도 증감이 다름</a:t>
+            </a:r>
+            <a:endParaRPr lang="en-US" altLang="ko-KR" dirty="0">
+              <a:latin typeface="긱블말랑이" panose="020D0504000000000000" pitchFamily="34" charset="-127"/>
+              <a:ea typeface="긱블말랑이" panose="020D0504000000000000" pitchFamily="34" charset="-127"/>
+            </a:endParaRPr>
+          </a:p>
+          <a:p>
+            <a:pPr marL="0" indent="0">
+              <a:buNone/>
+            </a:pPr>
+            <a:r>
+              <a:rPr lang="en-US" altLang="ko-KR" dirty="0">
+                <a:latin typeface="긱블말랑이" panose="020D0504000000000000" pitchFamily="34" charset="-127"/>
+                <a:ea typeface="긱블말랑이" panose="020D0504000000000000" pitchFamily="34" charset="-127"/>
+              </a:rPr>
+              <a:t>	</a:t>
+            </a:r>
+            <a:r>
+              <a:rPr lang="ko-KR" altLang="en-US" dirty="0">
+                <a:latin typeface="긱블말랑이" panose="020D0504000000000000" pitchFamily="34" charset="-127"/>
+                <a:ea typeface="긱블말랑이" panose="020D0504000000000000" pitchFamily="34" charset="-127"/>
+              </a:rPr>
+              <a:t>빨리 완주할수록 높은 점수</a:t>
+            </a:r>
+            <a:endParaRPr lang="en-US" altLang="ko-KR" dirty="0">
+              <a:latin typeface="긱블말랑이" panose="020D0504000000000000" pitchFamily="34" charset="-127"/>
+              <a:ea typeface="긱블말랑이" panose="020D0504000000000000" pitchFamily="34" charset="-127"/>
+            </a:endParaRPr>
+          </a:p>
+        </p:txBody>
+      </p:sp>
+    </p:spTree>
+    <p:extLst>
+      <p:ext uri="{BB962C8B-B14F-4D97-AF65-F5344CB8AC3E}">
+        <p14:creationId xmlns:p14="http://schemas.microsoft.com/office/powerpoint/2010/main" val="1892014976"/>
+      </p:ext>
+    </p:extLst>
+  </p:cSld>
+  <p:clrMapOvr>
+    <a:masterClrMapping/>
+  </p:clrMapOvr>
+</p:sld>
+</file>
+
+<file path=ppt/slides/slide11.xml><?xml version="1.0" encoding="utf-8"?>
+<p:sld xmlns:a="http://schemas.openxmlformats.org/drawingml/2006/main" xmlns:r="http://schemas.openxmlformats.org/officeDocument/2006/relationships" xmlns:p="http://schemas.openxmlformats.org/presentationml/2006/main">
+  <p:cSld>
+    <p:spTree>
+      <p:nvGrpSpPr>
+        <p:cNvPr id="1" name=""/>
+        <p:cNvGrpSpPr/>
+        <p:nvPr/>
+      </p:nvGrpSpPr>
+      <p:grpSpPr>
+        <a:xfrm>
+          <a:off x="0" y="0"/>
+          <a:ext cx="0" cy="0"/>
+          <a:chOff x="0" y="0"/>
+          <a:chExt cx="0" cy="0"/>
+        </a:xfrm>
+      </p:grpSpPr>
+      <p:sp>
+        <p:nvSpPr>
+          <p:cNvPr id="2" name="제목 1">
+            <a:extLst>
+              <a:ext uri="{FF2B5EF4-FFF2-40B4-BE49-F238E27FC236}">
+                <a16:creationId xmlns:a16="http://schemas.microsoft.com/office/drawing/2014/main" id="{F2ABE10A-17B3-B0A3-45B9-D64E7754A431}"/>
+              </a:ext>
+            </a:extLst>
+          </p:cNvPr>
+          <p:cNvSpPr>
+            <a:spLocks noGrp="1"/>
+          </p:cNvSpPr>
+          <p:nvPr>
+            <p:ph type="title"/>
+          </p:nvPr>
+        </p:nvSpPr>
+        <p:spPr/>
+        <p:txBody>
+          <a:bodyPr/>
+          <a:lstStyle/>
+          <a:p>
+            <a:r>
+              <a:rPr lang="ko-KR" altLang="en-US" dirty="0">
+                <a:latin typeface="긱블말랑이" panose="020D0504000000000000" pitchFamily="34" charset="-127"/>
+                <a:ea typeface="긱블말랑이" panose="020D0504000000000000" pitchFamily="34" charset="-127"/>
+              </a:rPr>
+              <a:t>게임 기획 </a:t>
+            </a:r>
+            <a:r>
+              <a:rPr lang="en-US" altLang="ko-KR" dirty="0">
+                <a:latin typeface="긱블말랑이" panose="020D0504000000000000" pitchFamily="34" charset="-127"/>
+                <a:ea typeface="긱블말랑이" panose="020D0504000000000000" pitchFamily="34" charset="-127"/>
+              </a:rPr>
+              <a:t>- </a:t>
+            </a:r>
+            <a:r>
+              <a:rPr lang="ko-KR" altLang="en-US" dirty="0">
+                <a:latin typeface="긱블말랑이" panose="020D0504000000000000" pitchFamily="34" charset="-127"/>
+                <a:ea typeface="긱블말랑이" panose="020D0504000000000000" pitchFamily="34" charset="-127"/>
+              </a:rPr>
+              <a:t>게임 플레이</a:t>
+            </a:r>
+          </a:p>
+        </p:txBody>
+      </p:sp>
+      <p:sp>
+        <p:nvSpPr>
+          <p:cNvPr id="3" name="내용 개체 틀 2">
+            <a:extLst>
+              <a:ext uri="{FF2B5EF4-FFF2-40B4-BE49-F238E27FC236}">
+                <a16:creationId xmlns:a16="http://schemas.microsoft.com/office/drawing/2014/main" id="{76787FBA-D999-0698-354E-5B54B202BAB2}"/>
+              </a:ext>
+            </a:extLst>
+          </p:cNvPr>
+          <p:cNvSpPr>
+            <a:spLocks noGrp="1"/>
+          </p:cNvSpPr>
+          <p:nvPr>
+            <p:ph idx="1"/>
+          </p:nvPr>
+        </p:nvSpPr>
+        <p:spPr/>
+        <p:txBody>
+          <a:bodyPr/>
+          <a:lstStyle/>
+          <a:p>
+            <a:pPr marL="0" indent="0">
+              <a:buNone/>
+            </a:pPr>
+            <a:r>
+              <a:rPr lang="en-US" altLang="ko-KR" dirty="0">
+                <a:latin typeface="긱블말랑이" panose="020D0504000000000000" pitchFamily="34" charset="-127"/>
+                <a:ea typeface="긱블말랑이" panose="020D0504000000000000" pitchFamily="34" charset="-127"/>
+              </a:rPr>
+              <a:t>- </a:t>
+            </a:r>
+            <a:r>
+              <a:rPr lang="ko-KR" altLang="en-US" dirty="0">
+                <a:latin typeface="긱블말랑이" panose="020D0504000000000000" pitchFamily="34" charset="-127"/>
+                <a:ea typeface="긱블말랑이" panose="020D0504000000000000" pitchFamily="34" charset="-127"/>
+              </a:rPr>
+              <a:t>카누</a:t>
+            </a:r>
+            <a:endParaRPr lang="en-US" altLang="ko-KR" dirty="0">
+              <a:latin typeface="긱블말랑이" panose="020D0504000000000000" pitchFamily="34" charset="-127"/>
+              <a:ea typeface="긱블말랑이" panose="020D0504000000000000" pitchFamily="34" charset="-127"/>
+            </a:endParaRPr>
+          </a:p>
+          <a:p>
+            <a:pPr marL="0" indent="0">
+              <a:buNone/>
+            </a:pPr>
+            <a:r>
+              <a:rPr lang="en-US" altLang="ko-KR" dirty="0">
+                <a:latin typeface="긱블말랑이" panose="020D0504000000000000" pitchFamily="34" charset="-127"/>
+                <a:ea typeface="긱블말랑이" panose="020D0504000000000000" pitchFamily="34" charset="-127"/>
+              </a:rPr>
+              <a:t>	1. </a:t>
+            </a:r>
+            <a:r>
+              <a:rPr lang="ko-KR" altLang="en-US" dirty="0">
+                <a:latin typeface="긱블말랑이" panose="020D0504000000000000" pitchFamily="34" charset="-127"/>
+                <a:ea typeface="긱블말랑이" panose="020D0504000000000000" pitchFamily="34" charset="-127"/>
+              </a:rPr>
+              <a:t>장애물 피하기 </a:t>
+            </a:r>
+            <a:r>
+              <a:rPr lang="en-US" altLang="ko-KR" dirty="0">
+                <a:latin typeface="긱블말랑이" panose="020D0504000000000000" pitchFamily="34" charset="-127"/>
+                <a:ea typeface="긱블말랑이" panose="020D0504000000000000" pitchFamily="34" charset="-127"/>
+              </a:rPr>
+              <a:t>(</a:t>
+            </a:r>
+            <a:r>
+              <a:rPr lang="ko-KR" altLang="en-US" dirty="0">
+                <a:latin typeface="긱블말랑이" panose="020D0504000000000000" pitchFamily="34" charset="-127"/>
+                <a:ea typeface="긱블말랑이" panose="020D0504000000000000" pitchFamily="34" charset="-127"/>
+              </a:rPr>
+              <a:t>방향키를 이용해 장애물을 피하면서 정해진 거리를 </a:t>
+            </a:r>
+            <a:r>
+              <a:rPr lang="en-US" altLang="ko-KR" dirty="0">
+                <a:latin typeface="긱블말랑이" panose="020D0504000000000000" pitchFamily="34" charset="-127"/>
+                <a:ea typeface="긱블말랑이" panose="020D0504000000000000" pitchFamily="34" charset="-127"/>
+              </a:rPr>
+              <a:t>	</a:t>
+            </a:r>
+            <a:r>
+              <a:rPr lang="ko-KR" altLang="en-US" dirty="0">
+                <a:latin typeface="긱블말랑이" panose="020D0504000000000000" pitchFamily="34" charset="-127"/>
+                <a:ea typeface="긱블말랑이" panose="020D0504000000000000" pitchFamily="34" charset="-127"/>
+              </a:rPr>
+              <a:t>완주하는 것</a:t>
+            </a:r>
+            <a:r>
+              <a:rPr lang="en-US" altLang="ko-KR" dirty="0">
+                <a:latin typeface="긱블말랑이" panose="020D0504000000000000" pitchFamily="34" charset="-127"/>
+                <a:ea typeface="긱블말랑이" panose="020D0504000000000000" pitchFamily="34" charset="-127"/>
+              </a:rPr>
+              <a:t>)</a:t>
+            </a:r>
+          </a:p>
+          <a:p>
+            <a:pPr marL="0" indent="0">
+              <a:buNone/>
+            </a:pPr>
+            <a:r>
+              <a:rPr lang="en-US" altLang="ko-KR" dirty="0">
+                <a:latin typeface="긱블말랑이" panose="020D0504000000000000" pitchFamily="34" charset="-127"/>
+                <a:ea typeface="긱블말랑이" panose="020D0504000000000000" pitchFamily="34" charset="-127"/>
+              </a:rPr>
+              <a:t>	2. </a:t>
+            </a:r>
+            <a:r>
+              <a:rPr lang="ko-KR" altLang="en-US" dirty="0">
+                <a:latin typeface="긱블말랑이" panose="020D0504000000000000" pitchFamily="34" charset="-127"/>
+                <a:ea typeface="긱블말랑이" panose="020D0504000000000000" pitchFamily="34" charset="-127"/>
+              </a:rPr>
+              <a:t>왼쪽 방향키와 오른쪽 방향키를 연달아 누르면서 카누 속도를 유지</a:t>
+            </a:r>
+            <a:r>
+              <a:rPr lang="en-US" altLang="ko-KR" dirty="0">
+                <a:latin typeface="긱블말랑이" panose="020D0504000000000000" pitchFamily="34" charset="-127"/>
+                <a:ea typeface="긱블말랑이" panose="020D0504000000000000" pitchFamily="34" charset="-127"/>
+              </a:rPr>
+              <a:t>	</a:t>
+            </a:r>
+            <a:r>
+              <a:rPr lang="ko-KR" altLang="en-US" dirty="0">
+                <a:latin typeface="긱블말랑이" panose="020D0504000000000000" pitchFamily="34" charset="-127"/>
+                <a:ea typeface="긱블말랑이" panose="020D0504000000000000" pitchFamily="34" charset="-127"/>
+              </a:rPr>
+              <a:t>하면서 정해진 거리를 완주</a:t>
+            </a:r>
+            <a:endParaRPr lang="en-US" altLang="ko-KR" dirty="0">
+              <a:latin typeface="긱블말랑이" panose="020D0504000000000000" pitchFamily="34" charset="-127"/>
+              <a:ea typeface="긱블말랑이" panose="020D0504000000000000" pitchFamily="34" charset="-127"/>
+            </a:endParaRPr>
+          </a:p>
+          <a:p>
+            <a:pPr marL="0" indent="0">
+              <a:buNone/>
+            </a:pPr>
+            <a:r>
+              <a:rPr lang="en-US" altLang="ko-KR" dirty="0">
+                <a:latin typeface="긱블말랑이" panose="020D0504000000000000" pitchFamily="34" charset="-127"/>
+                <a:ea typeface="긱블말랑이" panose="020D0504000000000000" pitchFamily="34" charset="-127"/>
+              </a:rPr>
+              <a:t>	3. </a:t>
+            </a:r>
+            <a:r>
+              <a:rPr lang="ko-KR" altLang="en-US" dirty="0">
+                <a:latin typeface="긱블말랑이" panose="020D0504000000000000" pitchFamily="34" charset="-127"/>
+                <a:ea typeface="긱블말랑이" panose="020D0504000000000000" pitchFamily="34" charset="-127"/>
+              </a:rPr>
+              <a:t>왼쪽 방향키와 오른쪽 방향키를 누르면서 카누의 균형을 유지하면서 </a:t>
+            </a:r>
+            <a:r>
+              <a:rPr lang="en-US" altLang="ko-KR" dirty="0">
+                <a:latin typeface="긱블말랑이" panose="020D0504000000000000" pitchFamily="34" charset="-127"/>
+                <a:ea typeface="긱블말랑이" panose="020D0504000000000000" pitchFamily="34" charset="-127"/>
+              </a:rPr>
+              <a:t>	</a:t>
+            </a:r>
+            <a:r>
+              <a:rPr lang="ko-KR" altLang="en-US" dirty="0">
+                <a:latin typeface="긱블말랑이" panose="020D0504000000000000" pitchFamily="34" charset="-127"/>
+                <a:ea typeface="긱블말랑이" panose="020D0504000000000000" pitchFamily="34" charset="-127"/>
+              </a:rPr>
+              <a:t>목적지까지 이동 </a:t>
+            </a:r>
+            <a:r>
+              <a:rPr lang="en-US" altLang="ko-KR" dirty="0">
+                <a:latin typeface="긱블말랑이" panose="020D0504000000000000" pitchFamily="34" charset="-127"/>
+                <a:ea typeface="긱블말랑이" panose="020D0504000000000000" pitchFamily="34" charset="-127"/>
+              </a:rPr>
+              <a:t>(</a:t>
+            </a:r>
+            <a:r>
+              <a:rPr lang="ko-KR" altLang="en-US" dirty="0">
+                <a:latin typeface="긱블말랑이" panose="020D0504000000000000" pitchFamily="34" charset="-127"/>
+                <a:ea typeface="긱블말랑이" panose="020D0504000000000000" pitchFamily="34" charset="-127"/>
+              </a:rPr>
+              <a:t>균형 유지를 실패할 경우 물에 빠지면서 실격 </a:t>
+            </a:r>
+            <a:r>
+              <a:rPr lang="en-US" altLang="ko-KR" dirty="0">
+                <a:latin typeface="긱블말랑이" panose="020D0504000000000000" pitchFamily="34" charset="-127"/>
+                <a:ea typeface="긱블말랑이" panose="020D0504000000000000" pitchFamily="34" charset="-127"/>
+              </a:rPr>
+              <a:t>-&gt; </a:t>
+            </a:r>
+            <a:r>
+              <a:rPr lang="ko-KR" altLang="en-US" dirty="0">
+                <a:latin typeface="긱블말랑이" panose="020D0504000000000000" pitchFamily="34" charset="-127"/>
+                <a:ea typeface="긱블말랑이" panose="020D0504000000000000" pitchFamily="34" charset="-127"/>
+              </a:rPr>
+              <a:t>점</a:t>
+            </a:r>
+            <a:r>
+              <a:rPr lang="en-US" altLang="ko-KR" dirty="0">
+                <a:latin typeface="긱블말랑이" panose="020D0504000000000000" pitchFamily="34" charset="-127"/>
+                <a:ea typeface="긱블말랑이" panose="020D0504000000000000" pitchFamily="34" charset="-127"/>
+              </a:rPr>
+              <a:t>	</a:t>
+            </a:r>
+            <a:r>
+              <a:rPr lang="ko-KR" altLang="en-US" dirty="0">
+                <a:latin typeface="긱블말랑이" panose="020D0504000000000000" pitchFamily="34" charset="-127"/>
+                <a:ea typeface="긱블말랑이" panose="020D0504000000000000" pitchFamily="34" charset="-127"/>
+              </a:rPr>
+              <a:t>수 </a:t>
+            </a:r>
+            <a:r>
+              <a:rPr lang="en-US" altLang="ko-KR" dirty="0">
+                <a:latin typeface="긱블말랑이" panose="020D0504000000000000" pitchFamily="34" charset="-127"/>
+                <a:ea typeface="긱블말랑이" panose="020D0504000000000000" pitchFamily="34" charset="-127"/>
+              </a:rPr>
+              <a:t>0</a:t>
+            </a:r>
+            <a:r>
+              <a:rPr lang="ko-KR" altLang="en-US" dirty="0">
+                <a:latin typeface="긱블말랑이" panose="020D0504000000000000" pitchFamily="34" charset="-127"/>
+                <a:ea typeface="긱블말랑이" panose="020D0504000000000000" pitchFamily="34" charset="-127"/>
+              </a:rPr>
+              <a:t>점</a:t>
+            </a:r>
+            <a:r>
+              <a:rPr lang="en-US" altLang="ko-KR" dirty="0">
+                <a:latin typeface="긱블말랑이" panose="020D0504000000000000" pitchFamily="34" charset="-127"/>
+                <a:ea typeface="긱블말랑이" panose="020D0504000000000000" pitchFamily="34" charset="-127"/>
+              </a:rPr>
+              <a:t>)</a:t>
+            </a:r>
+          </a:p>
+        </p:txBody>
+      </p:sp>
+    </p:spTree>
+    <p:extLst>
+      <p:ext uri="{BB962C8B-B14F-4D97-AF65-F5344CB8AC3E}">
+        <p14:creationId xmlns:p14="http://schemas.microsoft.com/office/powerpoint/2010/main" val="1126785323"/>
+      </p:ext>
+    </p:extLst>
+  </p:cSld>
+  <p:clrMapOvr>
+    <a:masterClrMapping/>
+  </p:clrMapOvr>
+</p:sld>
+</file>
+
+<file path=ppt/slides/slide12.xml><?xml version="1.0" encoding="utf-8"?>
+<p:sld xmlns:a="http://schemas.openxmlformats.org/drawingml/2006/main" xmlns:r="http://schemas.openxmlformats.org/officeDocument/2006/relationships" xmlns:p="http://schemas.openxmlformats.org/presentationml/2006/main">
+  <p:cSld>
+    <p:spTree>
+      <p:nvGrpSpPr>
+        <p:cNvPr id="1" name=""/>
+        <p:cNvGrpSpPr/>
+        <p:nvPr/>
+      </p:nvGrpSpPr>
+      <p:grpSpPr>
+        <a:xfrm>
+          <a:off x="0" y="0"/>
+          <a:ext cx="0" cy="0"/>
+          <a:chOff x="0" y="0"/>
+          <a:chExt cx="0" cy="0"/>
+        </a:xfrm>
+      </p:grpSpPr>
+      <p:sp>
+        <p:nvSpPr>
+          <p:cNvPr id="2" name="제목 1">
+            <a:extLst>
+              <a:ext uri="{FF2B5EF4-FFF2-40B4-BE49-F238E27FC236}">
+                <a16:creationId xmlns:a16="http://schemas.microsoft.com/office/drawing/2014/main" id="{F2ABE10A-17B3-B0A3-45B9-D64E7754A431}"/>
+              </a:ext>
+            </a:extLst>
+          </p:cNvPr>
+          <p:cNvSpPr>
+            <a:spLocks noGrp="1"/>
+          </p:cNvSpPr>
+          <p:nvPr>
+            <p:ph type="title"/>
+          </p:nvPr>
+        </p:nvSpPr>
+        <p:spPr/>
+        <p:txBody>
+          <a:bodyPr/>
+          <a:lstStyle/>
+          <a:p>
+            <a:r>
+              <a:rPr lang="ko-KR" altLang="en-US" dirty="0">
+                <a:latin typeface="긱블말랑이" panose="020D0504000000000000" pitchFamily="34" charset="-127"/>
+                <a:ea typeface="긱블말랑이" panose="020D0504000000000000" pitchFamily="34" charset="-127"/>
+              </a:rPr>
+              <a:t>게임 기획 </a:t>
+            </a:r>
+            <a:r>
+              <a:rPr lang="en-US" altLang="ko-KR" dirty="0">
+                <a:latin typeface="긱블말랑이" panose="020D0504000000000000" pitchFamily="34" charset="-127"/>
+                <a:ea typeface="긱블말랑이" panose="020D0504000000000000" pitchFamily="34" charset="-127"/>
+              </a:rPr>
+              <a:t>- </a:t>
+            </a:r>
+            <a:r>
+              <a:rPr lang="ko-KR" altLang="en-US" dirty="0">
+                <a:latin typeface="긱블말랑이" panose="020D0504000000000000" pitchFamily="34" charset="-127"/>
+                <a:ea typeface="긱블말랑이" panose="020D0504000000000000" pitchFamily="34" charset="-127"/>
+              </a:rPr>
+              <a:t>게임 플레이</a:t>
+            </a:r>
+          </a:p>
+        </p:txBody>
+      </p:sp>
+      <p:sp>
+        <p:nvSpPr>
+          <p:cNvPr id="3" name="내용 개체 틀 2">
+            <a:extLst>
+              <a:ext uri="{FF2B5EF4-FFF2-40B4-BE49-F238E27FC236}">
+                <a16:creationId xmlns:a16="http://schemas.microsoft.com/office/drawing/2014/main" id="{76787FBA-D999-0698-354E-5B54B202BAB2}"/>
+              </a:ext>
+            </a:extLst>
+          </p:cNvPr>
+          <p:cNvSpPr>
+            <a:spLocks noGrp="1"/>
+          </p:cNvSpPr>
+          <p:nvPr>
+            <p:ph idx="1"/>
+          </p:nvPr>
+        </p:nvSpPr>
+        <p:spPr/>
+        <p:txBody>
+          <a:bodyPr/>
+          <a:lstStyle/>
+          <a:p>
+            <a:pPr marL="0" indent="0">
+              <a:buNone/>
+            </a:pPr>
+            <a:r>
+              <a:rPr lang="en-US" altLang="ko-KR" dirty="0">
+                <a:latin typeface="긱블말랑이" panose="020D0504000000000000" pitchFamily="34" charset="-127"/>
+                <a:ea typeface="긱블말랑이" panose="020D0504000000000000" pitchFamily="34" charset="-127"/>
+              </a:rPr>
+              <a:t>- </a:t>
+            </a:r>
+            <a:r>
+              <a:rPr lang="ko-KR" altLang="en-US" dirty="0">
+                <a:latin typeface="긱블말랑이" panose="020D0504000000000000" pitchFamily="34" charset="-127"/>
+                <a:ea typeface="긱블말랑이" panose="020D0504000000000000" pitchFamily="34" charset="-127"/>
+              </a:rPr>
+              <a:t>사격</a:t>
+            </a:r>
+            <a:endParaRPr lang="en-US" altLang="ko-KR" dirty="0">
+              <a:latin typeface="긱블말랑이" panose="020D0504000000000000" pitchFamily="34" charset="-127"/>
+              <a:ea typeface="긱블말랑이" panose="020D0504000000000000" pitchFamily="34" charset="-127"/>
+            </a:endParaRPr>
+          </a:p>
+          <a:p>
+            <a:pPr marL="0" indent="0">
+              <a:buNone/>
+            </a:pPr>
+            <a:r>
+              <a:rPr lang="en-US" altLang="ko-KR" dirty="0">
+                <a:latin typeface="긱블말랑이" panose="020D0504000000000000" pitchFamily="34" charset="-127"/>
+                <a:ea typeface="긱블말랑이" panose="020D0504000000000000" pitchFamily="34" charset="-127"/>
+              </a:rPr>
+              <a:t>	</a:t>
+            </a:r>
+            <a:r>
+              <a:rPr lang="ko-KR" altLang="en-US" dirty="0">
+                <a:latin typeface="긱블말랑이" panose="020D0504000000000000" pitchFamily="34" charset="-127"/>
+                <a:ea typeface="긱블말랑이" panose="020D0504000000000000" pitchFamily="34" charset="-127"/>
+              </a:rPr>
+              <a:t>게임 </a:t>
+            </a:r>
+            <a:r>
+              <a:rPr lang="ko-KR" altLang="en-US" dirty="0" err="1">
+                <a:latin typeface="긱블말랑이" panose="020D0504000000000000" pitchFamily="34" charset="-127"/>
+                <a:ea typeface="긱블말랑이" panose="020D0504000000000000" pitchFamily="34" charset="-127"/>
+              </a:rPr>
+              <a:t>시작시</a:t>
+            </a:r>
+            <a:r>
+              <a:rPr lang="ko-KR" altLang="en-US" dirty="0">
+                <a:latin typeface="긱블말랑이" panose="020D0504000000000000" pitchFamily="34" charset="-127"/>
+                <a:ea typeface="긱블말랑이" panose="020D0504000000000000" pitchFamily="34" charset="-127"/>
+              </a:rPr>
+              <a:t> 과녁이 여러 개가 화면에 나온다</a:t>
+            </a:r>
+            <a:endParaRPr lang="en-US" altLang="ko-KR" dirty="0">
+              <a:latin typeface="긱블말랑이" panose="020D0504000000000000" pitchFamily="34" charset="-127"/>
+              <a:ea typeface="긱블말랑이" panose="020D0504000000000000" pitchFamily="34" charset="-127"/>
+            </a:endParaRPr>
+          </a:p>
+          <a:p>
+            <a:pPr marL="0" indent="0">
+              <a:buNone/>
+            </a:pPr>
+            <a:r>
+              <a:rPr lang="en-US" altLang="ko-KR" dirty="0">
+                <a:latin typeface="긱블말랑이" panose="020D0504000000000000" pitchFamily="34" charset="-127"/>
+                <a:ea typeface="긱블말랑이" panose="020D0504000000000000" pitchFamily="34" charset="-127"/>
+              </a:rPr>
+              <a:t>	</a:t>
+            </a:r>
+            <a:r>
+              <a:rPr lang="ko-KR" altLang="en-US" dirty="0">
+                <a:latin typeface="긱블말랑이" panose="020D0504000000000000" pitchFamily="34" charset="-127"/>
+                <a:ea typeface="긱블말랑이" panose="020D0504000000000000" pitchFamily="34" charset="-127"/>
+              </a:rPr>
+              <a:t>과녁 개수에 맞게 화면 아래에 노란색 바가 </a:t>
+            </a:r>
+            <a:r>
+              <a:rPr lang="ko-KR" altLang="en-US" dirty="0" err="1">
+                <a:latin typeface="긱블말랑이" panose="020D0504000000000000" pitchFamily="34" charset="-127"/>
+                <a:ea typeface="긱블말랑이" panose="020D0504000000000000" pitchFamily="34" charset="-127"/>
+              </a:rPr>
+              <a:t>랜덤한</a:t>
+            </a:r>
+            <a:r>
+              <a:rPr lang="ko-KR" altLang="en-US" dirty="0">
+                <a:latin typeface="긱블말랑이" panose="020D0504000000000000" pitchFamily="34" charset="-127"/>
+                <a:ea typeface="긱블말랑이" panose="020D0504000000000000" pitchFamily="34" charset="-127"/>
+              </a:rPr>
+              <a:t> 위치에 나온다</a:t>
+            </a:r>
+            <a:endParaRPr lang="en-US" altLang="ko-KR" dirty="0">
+              <a:latin typeface="긱블말랑이" panose="020D0504000000000000" pitchFamily="34" charset="-127"/>
+              <a:ea typeface="긱블말랑이" panose="020D0504000000000000" pitchFamily="34" charset="-127"/>
+            </a:endParaRPr>
+          </a:p>
+          <a:p>
+            <a:pPr marL="0" indent="0">
+              <a:buNone/>
+            </a:pPr>
+            <a:r>
+              <a:rPr lang="en-US" altLang="ko-KR" dirty="0">
+                <a:latin typeface="긱블말랑이" panose="020D0504000000000000" pitchFamily="34" charset="-127"/>
+                <a:ea typeface="긱블말랑이" panose="020D0504000000000000" pitchFamily="34" charset="-127"/>
+              </a:rPr>
+              <a:t>	</a:t>
+            </a:r>
+            <a:r>
+              <a:rPr lang="ko-KR" altLang="en-US" dirty="0">
+                <a:latin typeface="긱블말랑이" panose="020D0504000000000000" pitchFamily="34" charset="-127"/>
+                <a:ea typeface="긱블말랑이" panose="020D0504000000000000" pitchFamily="34" charset="-127"/>
+              </a:rPr>
+              <a:t>빨간색 바가 왼쪽에서 오른쪽으로 이동 </a:t>
+            </a:r>
+            <a:r>
+              <a:rPr lang="en-US" altLang="ko-KR" dirty="0">
+                <a:latin typeface="긱블말랑이" panose="020D0504000000000000" pitchFamily="34" charset="-127"/>
+                <a:ea typeface="긱블말랑이" panose="020D0504000000000000" pitchFamily="34" charset="-127"/>
+              </a:rPr>
+              <a:t>-&gt; </a:t>
+            </a:r>
+            <a:r>
+              <a:rPr lang="ko-KR" altLang="en-US" dirty="0">
+                <a:latin typeface="긱블말랑이" panose="020D0504000000000000" pitchFamily="34" charset="-127"/>
+                <a:ea typeface="긱블말랑이" panose="020D0504000000000000" pitchFamily="34" charset="-127"/>
+              </a:rPr>
+              <a:t>노란색 바 위에 올라갈 시 </a:t>
+            </a:r>
+            <a:r>
+              <a:rPr lang="en-US" altLang="ko-KR" dirty="0">
+                <a:latin typeface="긱블말랑이" panose="020D0504000000000000" pitchFamily="34" charset="-127"/>
+                <a:ea typeface="긱블말랑이" panose="020D0504000000000000" pitchFamily="34" charset="-127"/>
+              </a:rPr>
+              <a:t>	</a:t>
+            </a:r>
+            <a:r>
+              <a:rPr lang="ko-KR" altLang="en-US" dirty="0">
+                <a:latin typeface="긱블말랑이" panose="020D0504000000000000" pitchFamily="34" charset="-127"/>
+                <a:ea typeface="긱블말랑이" panose="020D0504000000000000" pitchFamily="34" charset="-127"/>
+              </a:rPr>
+              <a:t>스페이스 바 입력</a:t>
+            </a:r>
+            <a:r>
+              <a:rPr lang="en-US" altLang="ko-KR" dirty="0">
+                <a:latin typeface="긱블말랑이" panose="020D0504000000000000" pitchFamily="34" charset="-127"/>
+                <a:ea typeface="긱블말랑이" panose="020D0504000000000000" pitchFamily="34" charset="-127"/>
+              </a:rPr>
+              <a:t> (</a:t>
+            </a:r>
+            <a:r>
+              <a:rPr lang="ko-KR" altLang="en-US" dirty="0">
+                <a:latin typeface="긱블말랑이" panose="020D0504000000000000" pitchFamily="34" charset="-127"/>
+                <a:ea typeface="긱블말랑이" panose="020D0504000000000000" pitchFamily="34" charset="-127"/>
+              </a:rPr>
+              <a:t>과녁 파괴</a:t>
+            </a:r>
+            <a:r>
+              <a:rPr lang="en-US" altLang="ko-KR" dirty="0">
+                <a:latin typeface="긱블말랑이" panose="020D0504000000000000" pitchFamily="34" charset="-127"/>
+                <a:ea typeface="긱블말랑이" panose="020D0504000000000000" pitchFamily="34" charset="-127"/>
+              </a:rPr>
+              <a:t>, </a:t>
+            </a:r>
+            <a:r>
+              <a:rPr lang="ko-KR" altLang="en-US" dirty="0">
+                <a:latin typeface="긱블말랑이" panose="020D0504000000000000" pitchFamily="34" charset="-127"/>
+                <a:ea typeface="긱블말랑이" panose="020D0504000000000000" pitchFamily="34" charset="-127"/>
+              </a:rPr>
+              <a:t>점수 획득</a:t>
+            </a:r>
+            <a:r>
+              <a:rPr lang="en-US" altLang="ko-KR" dirty="0">
+                <a:latin typeface="긱블말랑이" panose="020D0504000000000000" pitchFamily="34" charset="-127"/>
+                <a:ea typeface="긱블말랑이" panose="020D0504000000000000" pitchFamily="34" charset="-127"/>
+              </a:rPr>
+              <a:t>)</a:t>
+            </a:r>
+          </a:p>
+        </p:txBody>
+      </p:sp>
+    </p:spTree>
+    <p:extLst>
+      <p:ext uri="{BB962C8B-B14F-4D97-AF65-F5344CB8AC3E}">
+        <p14:creationId xmlns:p14="http://schemas.microsoft.com/office/powerpoint/2010/main" val="4247072763"/>
+      </p:ext>
+    </p:extLst>
+  </p:cSld>
+  <p:clrMapOvr>
+    <a:masterClrMapping/>
+  </p:clrMapOvr>
+</p:sld>
+</file>
+
+<file path=ppt/slides/slide13.xml><?xml version="1.0" encoding="utf-8"?>
+<p:sld xmlns:a="http://schemas.openxmlformats.org/drawingml/2006/main" xmlns:r="http://schemas.openxmlformats.org/officeDocument/2006/relationships" xmlns:p="http://schemas.openxmlformats.org/presentationml/2006/main">
+  <p:cSld>
+    <p:spTree>
+      <p:nvGrpSpPr>
+        <p:cNvPr id="1" name=""/>
+        <p:cNvGrpSpPr/>
+        <p:nvPr/>
+      </p:nvGrpSpPr>
+      <p:grpSpPr>
+        <a:xfrm>
+          <a:off x="0" y="0"/>
+          <a:ext cx="0" cy="0"/>
+          <a:chOff x="0" y="0"/>
+          <a:chExt cx="0" cy="0"/>
+        </a:xfrm>
+      </p:grpSpPr>
+      <p:sp>
+        <p:nvSpPr>
+          <p:cNvPr id="2" name="제목 1">
+            <a:extLst>
+              <a:ext uri="{FF2B5EF4-FFF2-40B4-BE49-F238E27FC236}">
+                <a16:creationId xmlns:a16="http://schemas.microsoft.com/office/drawing/2014/main" id="{D5EC8693-000B-73CE-25CA-ADDCA466E2AF}"/>
+              </a:ext>
+            </a:extLst>
+          </p:cNvPr>
+          <p:cNvSpPr>
+            <a:spLocks noGrp="1"/>
+          </p:cNvSpPr>
+          <p:nvPr>
+            <p:ph type="title"/>
+          </p:nvPr>
+        </p:nvSpPr>
+        <p:spPr/>
+        <p:txBody>
+          <a:bodyPr/>
+          <a:lstStyle/>
+          <a:p>
+            <a:r>
+              <a:rPr lang="ko-KR" altLang="en-US" dirty="0">
+                <a:latin typeface="긱블말랑이" panose="020D0504000000000000" pitchFamily="34" charset="-127"/>
+                <a:ea typeface="긱블말랑이" panose="020D0504000000000000" pitchFamily="34" charset="-127"/>
+              </a:rPr>
+              <a:t>게임 기획 </a:t>
+            </a:r>
+            <a:r>
+              <a:rPr lang="en-US" altLang="ko-KR" dirty="0">
+                <a:latin typeface="긱블말랑이" panose="020D0504000000000000" pitchFamily="34" charset="-127"/>
+                <a:ea typeface="긱블말랑이" panose="020D0504000000000000" pitchFamily="34" charset="-127"/>
+              </a:rPr>
+              <a:t>- </a:t>
+            </a:r>
+            <a:r>
+              <a:rPr lang="ko-KR" altLang="en-US" dirty="0">
+                <a:latin typeface="긱블말랑이" panose="020D0504000000000000" pitchFamily="34" charset="-127"/>
+                <a:ea typeface="긱블말랑이" panose="020D0504000000000000" pitchFamily="34" charset="-127"/>
+              </a:rPr>
+              <a:t>게임 컨트롤</a:t>
+            </a:r>
+          </a:p>
+        </p:txBody>
+      </p:sp>
+      <p:sp>
+        <p:nvSpPr>
+          <p:cNvPr id="3" name="내용 개체 틀 2">
+            <a:extLst>
+              <a:ext uri="{FF2B5EF4-FFF2-40B4-BE49-F238E27FC236}">
+                <a16:creationId xmlns:a16="http://schemas.microsoft.com/office/drawing/2014/main" id="{53A9EB0B-A792-F8B0-84BC-15A440529391}"/>
+              </a:ext>
+            </a:extLst>
+          </p:cNvPr>
+          <p:cNvSpPr>
+            <a:spLocks noGrp="1"/>
+          </p:cNvSpPr>
+          <p:nvPr>
+            <p:ph idx="1"/>
+          </p:nvPr>
+        </p:nvSpPr>
+        <p:spPr/>
+        <p:txBody>
+          <a:bodyPr/>
+          <a:lstStyle/>
+          <a:p>
+            <a:pPr marL="0" indent="0">
+              <a:buNone/>
+            </a:pPr>
+            <a:r>
+              <a:rPr lang="en-US" altLang="ko-KR" dirty="0">
+                <a:latin typeface="긱블말랑이" panose="020D0504000000000000" pitchFamily="34" charset="-127"/>
+                <a:ea typeface="긱블말랑이" panose="020D0504000000000000" pitchFamily="34" charset="-127"/>
+              </a:rPr>
+              <a:t>- </a:t>
+            </a:r>
+            <a:r>
+              <a:rPr lang="ko-KR" altLang="en-US" dirty="0">
+                <a:latin typeface="긱블말랑이" panose="020D0504000000000000" pitchFamily="34" charset="-127"/>
+                <a:ea typeface="긱블말랑이" panose="020D0504000000000000" pitchFamily="34" charset="-127"/>
+              </a:rPr>
+              <a:t>대부분 키보드 입력을 통해 진행된다</a:t>
+            </a:r>
+            <a:r>
+              <a:rPr lang="en-US" altLang="ko-KR" dirty="0">
+                <a:latin typeface="긱블말랑이" panose="020D0504000000000000" pitchFamily="34" charset="-127"/>
+                <a:ea typeface="긱블말랑이" panose="020D0504000000000000" pitchFamily="34" charset="-127"/>
+              </a:rPr>
+              <a:t>.</a:t>
+            </a:r>
+          </a:p>
+          <a:p>
+            <a:pPr marL="0" indent="0">
+              <a:buNone/>
+            </a:pPr>
+            <a:r>
+              <a:rPr lang="en-US" altLang="ko-KR" dirty="0">
+                <a:latin typeface="긱블말랑이" panose="020D0504000000000000" pitchFamily="34" charset="-127"/>
+                <a:ea typeface="긱블말랑이" panose="020D0504000000000000" pitchFamily="34" charset="-127"/>
+              </a:rPr>
+              <a:t>- </a:t>
+            </a:r>
+            <a:r>
+              <a:rPr lang="ko-KR" altLang="en-US" dirty="0">
+                <a:latin typeface="긱블말랑이" panose="020D0504000000000000" pitchFamily="34" charset="-127"/>
+                <a:ea typeface="긱블말랑이" panose="020D0504000000000000" pitchFamily="34" charset="-127"/>
+              </a:rPr>
+              <a:t>허들</a:t>
+            </a:r>
+            <a:r>
+              <a:rPr lang="en-US" altLang="ko-KR" dirty="0">
+                <a:latin typeface="긱블말랑이" panose="020D0504000000000000" pitchFamily="34" charset="-127"/>
+                <a:ea typeface="긱블말랑이" panose="020D0504000000000000" pitchFamily="34" charset="-127"/>
+              </a:rPr>
+              <a:t>: </a:t>
+            </a:r>
+            <a:r>
+              <a:rPr lang="ko-KR" altLang="en-US" dirty="0">
+                <a:latin typeface="긱블말랑이" panose="020D0504000000000000" pitchFamily="34" charset="-127"/>
+                <a:ea typeface="긱블말랑이" panose="020D0504000000000000" pitchFamily="34" charset="-127"/>
+              </a:rPr>
+              <a:t>스페이스바 사용 </a:t>
+            </a:r>
+            <a:r>
+              <a:rPr lang="en-US" altLang="ko-KR" dirty="0">
+                <a:latin typeface="긱블말랑이" panose="020D0504000000000000" pitchFamily="34" charset="-127"/>
+                <a:ea typeface="긱블말랑이" panose="020D0504000000000000" pitchFamily="34" charset="-127"/>
+              </a:rPr>
+              <a:t>(</a:t>
+            </a:r>
+            <a:r>
+              <a:rPr lang="ko-KR" altLang="en-US" dirty="0">
+                <a:latin typeface="긱블말랑이" panose="020D0504000000000000" pitchFamily="34" charset="-127"/>
+                <a:ea typeface="긱블말랑이" panose="020D0504000000000000" pitchFamily="34" charset="-127"/>
+              </a:rPr>
+              <a:t>노드에 맞게 스페이스바 입력</a:t>
+            </a:r>
+            <a:r>
+              <a:rPr lang="en-US" altLang="ko-KR" dirty="0">
+                <a:latin typeface="긱블말랑이" panose="020D0504000000000000" pitchFamily="34" charset="-127"/>
+                <a:ea typeface="긱블말랑이" panose="020D0504000000000000" pitchFamily="34" charset="-127"/>
+              </a:rPr>
+              <a:t>)</a:t>
+            </a:r>
+          </a:p>
+          <a:p>
+            <a:pPr marL="0" indent="0">
+              <a:buNone/>
+            </a:pPr>
+            <a:r>
+              <a:rPr lang="en-US" altLang="ko-KR" dirty="0">
+                <a:latin typeface="긱블말랑이" panose="020D0504000000000000" pitchFamily="34" charset="-127"/>
+                <a:ea typeface="긱블말랑이" panose="020D0504000000000000" pitchFamily="34" charset="-127"/>
+              </a:rPr>
+              <a:t>- </a:t>
+            </a:r>
+            <a:r>
+              <a:rPr lang="ko-KR" altLang="en-US" dirty="0">
+                <a:latin typeface="긱블말랑이" panose="020D0504000000000000" pitchFamily="34" charset="-127"/>
+                <a:ea typeface="긱블말랑이" panose="020D0504000000000000" pitchFamily="34" charset="-127"/>
+              </a:rPr>
+              <a:t>카누</a:t>
+            </a:r>
+            <a:r>
+              <a:rPr lang="en-US" altLang="ko-KR" dirty="0">
+                <a:latin typeface="긱블말랑이" panose="020D0504000000000000" pitchFamily="34" charset="-127"/>
+                <a:ea typeface="긱블말랑이" panose="020D0504000000000000" pitchFamily="34" charset="-127"/>
+              </a:rPr>
+              <a:t>: </a:t>
+            </a:r>
+            <a:r>
+              <a:rPr lang="ko-KR" altLang="en-US" dirty="0">
+                <a:latin typeface="긱블말랑이" panose="020D0504000000000000" pitchFamily="34" charset="-127"/>
+                <a:ea typeface="긱블말랑이" panose="020D0504000000000000" pitchFamily="34" charset="-127"/>
+              </a:rPr>
+              <a:t>방향키 혹은 스페이스바 사용</a:t>
+            </a:r>
+            <a:endParaRPr lang="en-US" altLang="ko-KR" dirty="0">
+              <a:latin typeface="긱블말랑이" panose="020D0504000000000000" pitchFamily="34" charset="-127"/>
+              <a:ea typeface="긱블말랑이" panose="020D0504000000000000" pitchFamily="34" charset="-127"/>
+            </a:endParaRPr>
+          </a:p>
+          <a:p>
+            <a:pPr marL="0" indent="0">
+              <a:buNone/>
+            </a:pPr>
+            <a:r>
+              <a:rPr lang="en-US" altLang="ko-KR" dirty="0">
+                <a:latin typeface="긱블말랑이" panose="020D0504000000000000" pitchFamily="34" charset="-127"/>
+                <a:ea typeface="긱블말랑이" panose="020D0504000000000000" pitchFamily="34" charset="-127"/>
+              </a:rPr>
+              <a:t>- </a:t>
+            </a:r>
+            <a:r>
+              <a:rPr lang="ko-KR" altLang="en-US" dirty="0">
+                <a:latin typeface="긱블말랑이" panose="020D0504000000000000" pitchFamily="34" charset="-127"/>
+                <a:ea typeface="긱블말랑이" panose="020D0504000000000000" pitchFamily="34" charset="-127"/>
+              </a:rPr>
+              <a:t>사격</a:t>
+            </a:r>
+            <a:r>
+              <a:rPr lang="en-US" altLang="ko-KR" dirty="0">
+                <a:latin typeface="긱블말랑이" panose="020D0504000000000000" pitchFamily="34" charset="-127"/>
+                <a:ea typeface="긱블말랑이" panose="020D0504000000000000" pitchFamily="34" charset="-127"/>
+              </a:rPr>
+              <a:t>: </a:t>
+            </a:r>
+            <a:r>
+              <a:rPr lang="ko-KR" altLang="en-US" dirty="0">
+                <a:latin typeface="긱블말랑이" panose="020D0504000000000000" pitchFamily="34" charset="-127"/>
+                <a:ea typeface="긱블말랑이" panose="020D0504000000000000" pitchFamily="34" charset="-127"/>
+              </a:rPr>
+              <a:t>스페이스바 사용</a:t>
+            </a:r>
+            <a:r>
+              <a:rPr lang="en-US" altLang="ko-KR" dirty="0">
+                <a:latin typeface="긱블말랑이" panose="020D0504000000000000" pitchFamily="34" charset="-127"/>
+                <a:ea typeface="긱블말랑이" panose="020D0504000000000000" pitchFamily="34" charset="-127"/>
+              </a:rPr>
+              <a:t> (</a:t>
+            </a:r>
+            <a:r>
+              <a:rPr lang="ko-KR" altLang="en-US" dirty="0">
+                <a:latin typeface="긱블말랑이" panose="020D0504000000000000" pitchFamily="34" charset="-127"/>
+                <a:ea typeface="긱블말랑이" panose="020D0504000000000000" pitchFamily="34" charset="-127"/>
+              </a:rPr>
+              <a:t>움직이는 바에 따른 스페이스바 입력</a:t>
+            </a:r>
+            <a:r>
+              <a:rPr lang="en-US" altLang="ko-KR" dirty="0">
+                <a:latin typeface="긱블말랑이" panose="020D0504000000000000" pitchFamily="34" charset="-127"/>
+                <a:ea typeface="긱블말랑이" panose="020D0504000000000000" pitchFamily="34" charset="-127"/>
+              </a:rPr>
+              <a:t>)</a:t>
+            </a:r>
+            <a:endParaRPr lang="ko-KR" altLang="en-US" dirty="0">
+              <a:latin typeface="긱블말랑이" panose="020D0504000000000000" pitchFamily="34" charset="-127"/>
+              <a:ea typeface="긱블말랑이" panose="020D0504000000000000" pitchFamily="34" charset="-127"/>
+            </a:endParaRPr>
+          </a:p>
+        </p:txBody>
+      </p:sp>
+    </p:spTree>
+    <p:extLst>
+      <p:ext uri="{BB962C8B-B14F-4D97-AF65-F5344CB8AC3E}">
+        <p14:creationId xmlns:p14="http://schemas.microsoft.com/office/powerpoint/2010/main" val="3901148891"/>
+      </p:ext>
+    </p:extLst>
+  </p:cSld>
+  <p:clrMapOvr>
+    <a:masterClrMapping/>
+  </p:clrMapOvr>
+</p:sld>
+</file>
+
+<file path=ppt/slides/slide14.xml><?xml version="1.0" encoding="utf-8"?>
+<p:sld xmlns:a="http://schemas.openxmlformats.org/drawingml/2006/main" xmlns:r="http://schemas.openxmlformats.org/officeDocument/2006/relationships" xmlns:p="http://schemas.openxmlformats.org/presentationml/2006/main">
+  <p:cSld>
+    <p:spTree>
+      <p:nvGrpSpPr>
+        <p:cNvPr id="1" name=""/>
+        <p:cNvGrpSpPr/>
+        <p:nvPr/>
+      </p:nvGrpSpPr>
+      <p:grpSpPr>
+        <a:xfrm>
+          <a:off x="0" y="0"/>
+          <a:ext cx="0" cy="0"/>
+          <a:chOff x="0" y="0"/>
+          <a:chExt cx="0" cy="0"/>
+        </a:xfrm>
+      </p:grpSpPr>
+      <p:sp>
+        <p:nvSpPr>
+          <p:cNvPr id="2" name="제목 1">
+            <a:extLst>
+              <a:ext uri="{FF2B5EF4-FFF2-40B4-BE49-F238E27FC236}">
+                <a16:creationId xmlns:a16="http://schemas.microsoft.com/office/drawing/2014/main" id="{3CE34DFB-ACC2-D5E1-1A34-0A5A4645B61B}"/>
+              </a:ext>
+            </a:extLst>
+          </p:cNvPr>
+          <p:cNvSpPr>
+            <a:spLocks noGrp="1"/>
+          </p:cNvSpPr>
+          <p:nvPr>
+            <p:ph type="title"/>
+          </p:nvPr>
+        </p:nvSpPr>
+        <p:spPr/>
+        <p:txBody>
+          <a:bodyPr/>
+          <a:lstStyle/>
+          <a:p>
+            <a:r>
+              <a:rPr lang="ko-KR" altLang="en-US" dirty="0">
+                <a:latin typeface="긱블말랑이" panose="020D0504000000000000" pitchFamily="34" charset="-127"/>
+                <a:ea typeface="긱블말랑이" panose="020D0504000000000000" pitchFamily="34" charset="-127"/>
+              </a:rPr>
+              <a:t>게임 기획 </a:t>
+            </a:r>
+            <a:r>
+              <a:rPr lang="en-US" altLang="ko-KR" dirty="0">
+                <a:latin typeface="긱블말랑이" panose="020D0504000000000000" pitchFamily="34" charset="-127"/>
+                <a:ea typeface="긱블말랑이" panose="020D0504000000000000" pitchFamily="34" charset="-127"/>
+              </a:rPr>
+              <a:t>- </a:t>
+            </a:r>
+            <a:r>
+              <a:rPr lang="ko-KR" altLang="en-US" dirty="0">
+                <a:latin typeface="긱블말랑이" panose="020D0504000000000000" pitchFamily="34" charset="-127"/>
+                <a:ea typeface="긱블말랑이" panose="020D0504000000000000" pitchFamily="34" charset="-127"/>
+              </a:rPr>
+              <a:t>게임 구성</a:t>
+            </a:r>
+          </a:p>
+        </p:txBody>
+      </p:sp>
+      <p:sp>
+        <p:nvSpPr>
+          <p:cNvPr id="3" name="내용 개체 틀 2">
+            <a:extLst>
+              <a:ext uri="{FF2B5EF4-FFF2-40B4-BE49-F238E27FC236}">
+                <a16:creationId xmlns:a16="http://schemas.microsoft.com/office/drawing/2014/main" id="{C5AC3E6F-880B-249A-2E3B-31F921DDFD30}"/>
+              </a:ext>
+            </a:extLst>
+          </p:cNvPr>
+          <p:cNvSpPr>
+            <a:spLocks noGrp="1"/>
+          </p:cNvSpPr>
+          <p:nvPr>
+            <p:ph idx="1"/>
+          </p:nvPr>
+        </p:nvSpPr>
+        <p:spPr/>
+        <p:txBody>
+          <a:bodyPr/>
+          <a:lstStyle/>
+          <a:p>
+            <a:pPr marL="0" indent="0">
+              <a:buNone/>
+            </a:pPr>
+            <a:r>
+              <a:rPr lang="en-US" altLang="ko-KR" dirty="0">
+                <a:latin typeface="긱블말랑이" panose="020D0504000000000000" pitchFamily="34" charset="-127"/>
+                <a:ea typeface="긱블말랑이" panose="020D0504000000000000" pitchFamily="34" charset="-127"/>
+              </a:rPr>
+              <a:t>- 3</a:t>
+            </a:r>
+            <a:r>
+              <a:rPr lang="ko-KR" altLang="en-US" dirty="0">
+                <a:latin typeface="긱블말랑이" panose="020D0504000000000000" pitchFamily="34" charset="-127"/>
+                <a:ea typeface="긱블말랑이" panose="020D0504000000000000" pitchFamily="34" charset="-127"/>
+              </a:rPr>
+              <a:t>개에서 </a:t>
+            </a:r>
+            <a:r>
+              <a:rPr lang="en-US" altLang="ko-KR" dirty="0">
+                <a:latin typeface="긱블말랑이" panose="020D0504000000000000" pitchFamily="34" charset="-127"/>
+                <a:ea typeface="긱블말랑이" panose="020D0504000000000000" pitchFamily="34" charset="-127"/>
+              </a:rPr>
+              <a:t>4</a:t>
+            </a:r>
+            <a:r>
+              <a:rPr lang="ko-KR" altLang="en-US" dirty="0">
+                <a:latin typeface="긱블말랑이" panose="020D0504000000000000" pitchFamily="34" charset="-127"/>
+                <a:ea typeface="긱블말랑이" panose="020D0504000000000000" pitchFamily="34" charset="-127"/>
+              </a:rPr>
+              <a:t>개로 구성된 미니 게임</a:t>
+            </a:r>
+            <a:endParaRPr lang="en-US" altLang="ko-KR" dirty="0">
+              <a:latin typeface="긱블말랑이" panose="020D0504000000000000" pitchFamily="34" charset="-127"/>
+              <a:ea typeface="긱블말랑이" panose="020D0504000000000000" pitchFamily="34" charset="-127"/>
+            </a:endParaRPr>
+          </a:p>
+          <a:p>
+            <a:pPr marL="0" indent="0">
+              <a:buNone/>
+            </a:pPr>
+            <a:r>
+              <a:rPr lang="en-US" altLang="ko-KR" dirty="0">
+                <a:latin typeface="긱블말랑이" panose="020D0504000000000000" pitchFamily="34" charset="-127"/>
+                <a:ea typeface="긱블말랑이" panose="020D0504000000000000" pitchFamily="34" charset="-127"/>
+              </a:rPr>
+              <a:t>- </a:t>
+            </a:r>
+            <a:r>
+              <a:rPr lang="ko-KR" altLang="en-US" dirty="0">
+                <a:latin typeface="긱블말랑이" panose="020D0504000000000000" pitchFamily="34" charset="-127"/>
+                <a:ea typeface="긱블말랑이" panose="020D0504000000000000" pitchFamily="34" charset="-127"/>
+              </a:rPr>
+              <a:t>각각의 게임마다 점수가 존재</a:t>
+            </a:r>
+            <a:endParaRPr lang="en-US" altLang="ko-KR" dirty="0">
+              <a:latin typeface="긱블말랑이" panose="020D0504000000000000" pitchFamily="34" charset="-127"/>
+              <a:ea typeface="긱블말랑이" panose="020D0504000000000000" pitchFamily="34" charset="-127"/>
+            </a:endParaRPr>
+          </a:p>
+          <a:p>
+            <a:pPr marL="0" indent="0">
+              <a:buNone/>
+            </a:pPr>
+            <a:r>
+              <a:rPr lang="en-US" altLang="ko-KR" dirty="0">
+                <a:latin typeface="긱블말랑이" panose="020D0504000000000000" pitchFamily="34" charset="-127"/>
+                <a:ea typeface="긱블말랑이" panose="020D0504000000000000" pitchFamily="34" charset="-127"/>
+              </a:rPr>
+              <a:t>- </a:t>
+            </a:r>
+            <a:r>
+              <a:rPr lang="ko-KR" altLang="en-US" dirty="0">
+                <a:latin typeface="긱블말랑이" panose="020D0504000000000000" pitchFamily="34" charset="-127"/>
+                <a:ea typeface="긱블말랑이" panose="020D0504000000000000" pitchFamily="34" charset="-127"/>
+              </a:rPr>
+              <a:t>종합 점수 </a:t>
+            </a:r>
+            <a:r>
+              <a:rPr lang="en-US" altLang="ko-KR" dirty="0">
+                <a:latin typeface="긱블말랑이" panose="020D0504000000000000" pitchFamily="34" charset="-127"/>
+                <a:ea typeface="긱블말랑이" panose="020D0504000000000000" pitchFamily="34" charset="-127"/>
+              </a:rPr>
+              <a:t>= </a:t>
+            </a:r>
+            <a:r>
+              <a:rPr lang="ko-KR" altLang="en-US" dirty="0">
+                <a:latin typeface="긱블말랑이" panose="020D0504000000000000" pitchFamily="34" charset="-127"/>
+                <a:ea typeface="긱블말랑이" panose="020D0504000000000000" pitchFamily="34" charset="-127"/>
+              </a:rPr>
+              <a:t>각 게임 점수 합계</a:t>
+            </a:r>
+            <a:endParaRPr lang="en-US" altLang="ko-KR" dirty="0">
+              <a:latin typeface="긱블말랑이" panose="020D0504000000000000" pitchFamily="34" charset="-127"/>
+              <a:ea typeface="긱블말랑이" panose="020D0504000000000000" pitchFamily="34" charset="-127"/>
+            </a:endParaRPr>
+          </a:p>
+          <a:p>
+            <a:pPr marL="0" indent="0">
+              <a:buNone/>
+            </a:pPr>
+            <a:r>
+              <a:rPr lang="en-US" altLang="ko-KR" dirty="0">
+                <a:latin typeface="긱블말랑이" panose="020D0504000000000000" pitchFamily="34" charset="-127"/>
+                <a:ea typeface="긱블말랑이" panose="020D0504000000000000" pitchFamily="34" charset="-127"/>
+              </a:rPr>
+              <a:t>Ex)</a:t>
+            </a:r>
+            <a:r>
+              <a:rPr lang="ko-KR" altLang="en-US" dirty="0">
+                <a:latin typeface="긱블말랑이" panose="020D0504000000000000" pitchFamily="34" charset="-127"/>
+                <a:ea typeface="긱블말랑이" panose="020D0504000000000000" pitchFamily="34" charset="-127"/>
+              </a:rPr>
+              <a:t> 허들</a:t>
+            </a:r>
+            <a:r>
+              <a:rPr lang="en-US" altLang="ko-KR" dirty="0">
+                <a:latin typeface="긱블말랑이" panose="020D0504000000000000" pitchFamily="34" charset="-127"/>
+                <a:ea typeface="긱블말랑이" panose="020D0504000000000000" pitchFamily="34" charset="-127"/>
+              </a:rPr>
+              <a:t>: a, </a:t>
+            </a:r>
+            <a:r>
+              <a:rPr lang="ko-KR" altLang="en-US" dirty="0">
+                <a:latin typeface="긱블말랑이" panose="020D0504000000000000" pitchFamily="34" charset="-127"/>
+                <a:ea typeface="긱블말랑이" panose="020D0504000000000000" pitchFamily="34" charset="-127"/>
+              </a:rPr>
+              <a:t>카누</a:t>
+            </a:r>
+            <a:r>
+              <a:rPr lang="en-US" altLang="ko-KR" dirty="0">
+                <a:latin typeface="긱블말랑이" panose="020D0504000000000000" pitchFamily="34" charset="-127"/>
+                <a:ea typeface="긱블말랑이" panose="020D0504000000000000" pitchFamily="34" charset="-127"/>
+              </a:rPr>
+              <a:t>: b, </a:t>
+            </a:r>
+            <a:r>
+              <a:rPr lang="ko-KR" altLang="en-US" dirty="0">
+                <a:latin typeface="긱블말랑이" panose="020D0504000000000000" pitchFamily="34" charset="-127"/>
+                <a:ea typeface="긱블말랑이" panose="020D0504000000000000" pitchFamily="34" charset="-127"/>
+              </a:rPr>
+              <a:t>사격</a:t>
+            </a:r>
+            <a:r>
+              <a:rPr lang="en-US" altLang="ko-KR" dirty="0">
+                <a:latin typeface="긱블말랑이" panose="020D0504000000000000" pitchFamily="34" charset="-127"/>
+                <a:ea typeface="긱블말랑이" panose="020D0504000000000000" pitchFamily="34" charset="-127"/>
+              </a:rPr>
+              <a:t>: c -&gt; </a:t>
+            </a:r>
+            <a:r>
+              <a:rPr lang="ko-KR" altLang="en-US" dirty="0">
+                <a:latin typeface="긱블말랑이" panose="020D0504000000000000" pitchFamily="34" charset="-127"/>
+                <a:ea typeface="긱블말랑이" panose="020D0504000000000000" pitchFamily="34" charset="-127"/>
+              </a:rPr>
+              <a:t>종합 점수</a:t>
+            </a:r>
+            <a:r>
+              <a:rPr lang="en-US" altLang="ko-KR" dirty="0">
+                <a:latin typeface="긱블말랑이" panose="020D0504000000000000" pitchFamily="34" charset="-127"/>
+                <a:ea typeface="긱블말랑이" panose="020D0504000000000000" pitchFamily="34" charset="-127"/>
+              </a:rPr>
+              <a:t>: a + b + c</a:t>
+            </a:r>
+            <a:endParaRPr lang="ko-KR" altLang="en-US" dirty="0">
+              <a:latin typeface="긱블말랑이" panose="020D0504000000000000" pitchFamily="34" charset="-127"/>
+              <a:ea typeface="긱블말랑이" panose="020D0504000000000000" pitchFamily="34" charset="-127"/>
+            </a:endParaRPr>
+          </a:p>
+        </p:txBody>
+      </p:sp>
+    </p:spTree>
+    <p:extLst>
+      <p:ext uri="{BB962C8B-B14F-4D97-AF65-F5344CB8AC3E}">
+        <p14:creationId xmlns:p14="http://schemas.microsoft.com/office/powerpoint/2010/main" val="3681219011"/>
+      </p:ext>
+    </p:extLst>
+  </p:cSld>
+  <p:clrMapOvr>
+    <a:masterClrMapping/>
+  </p:clrMapOvr>
+</p:sld>
+</file>
+
 <file path=ppt/slides/slide2.xml><?xml version="1.0" encoding="utf-8"?>
 <p:sld xmlns:a="http://schemas.openxmlformats.org/drawingml/2006/main" xmlns:r="http://schemas.openxmlformats.org/officeDocument/2006/relationships" xmlns:p="http://schemas.openxmlformats.org/presentationml/2006/main">
   <p:cSld>
@@ -4801,6 +6192,402 @@
     <p:extLst>
       <p:ext uri="{BB962C8B-B14F-4D97-AF65-F5344CB8AC3E}">
         <p14:creationId xmlns:p14="http://schemas.microsoft.com/office/powerpoint/2010/main" val="2495946379"/>
+      </p:ext>
+    </p:extLst>
+  </p:cSld>
+  <p:clrMapOvr>
+    <a:masterClrMapping/>
+  </p:clrMapOvr>
+</p:sld>
+</file>
+
+<file path=ppt/slides/slide8.xml><?xml version="1.0" encoding="utf-8"?>
+<p:sld xmlns:a="http://schemas.openxmlformats.org/drawingml/2006/main" xmlns:r="http://schemas.openxmlformats.org/officeDocument/2006/relationships" xmlns:p="http://schemas.openxmlformats.org/presentationml/2006/main">
+  <p:cSld>
+    <p:spTree>
+      <p:nvGrpSpPr>
+        <p:cNvPr id="1" name=""/>
+        <p:cNvGrpSpPr/>
+        <p:nvPr/>
+      </p:nvGrpSpPr>
+      <p:grpSpPr>
+        <a:xfrm>
+          <a:off x="0" y="0"/>
+          <a:ext cx="0" cy="0"/>
+          <a:chOff x="0" y="0"/>
+          <a:chExt cx="0" cy="0"/>
+        </a:xfrm>
+      </p:grpSpPr>
+      <p:sp>
+        <p:nvSpPr>
+          <p:cNvPr id="2" name="제목 1">
+            <a:extLst>
+              <a:ext uri="{FF2B5EF4-FFF2-40B4-BE49-F238E27FC236}">
+                <a16:creationId xmlns:a16="http://schemas.microsoft.com/office/drawing/2014/main" id="{EAAF1F92-C8EB-59C7-B1B9-A4CED3B381FF}"/>
+              </a:ext>
+            </a:extLst>
+          </p:cNvPr>
+          <p:cNvSpPr>
+            <a:spLocks noGrp="1"/>
+          </p:cNvSpPr>
+          <p:nvPr>
+            <p:ph type="title"/>
+          </p:nvPr>
+        </p:nvSpPr>
+        <p:spPr/>
+        <p:txBody>
+          <a:bodyPr/>
+          <a:lstStyle/>
+          <a:p>
+            <a:r>
+              <a:rPr lang="ko-KR" altLang="en-US" dirty="0">
+                <a:latin typeface="긱블말랑이" panose="020D0504000000000000" pitchFamily="34" charset="-127"/>
+                <a:ea typeface="긱블말랑이" panose="020D0504000000000000" pitchFamily="34" charset="-127"/>
+              </a:rPr>
+              <a:t>게임 기획 </a:t>
+            </a:r>
+            <a:r>
+              <a:rPr lang="en-US" altLang="ko-KR" dirty="0">
+                <a:latin typeface="긱블말랑이" panose="020D0504000000000000" pitchFamily="34" charset="-127"/>
+                <a:ea typeface="긱블말랑이" panose="020D0504000000000000" pitchFamily="34" charset="-127"/>
+              </a:rPr>
+              <a:t>- USP</a:t>
+            </a:r>
+            <a:endParaRPr lang="ko-KR" altLang="en-US" dirty="0">
+              <a:latin typeface="긱블말랑이" panose="020D0504000000000000" pitchFamily="34" charset="-127"/>
+              <a:ea typeface="긱블말랑이" panose="020D0504000000000000" pitchFamily="34" charset="-127"/>
+            </a:endParaRPr>
+          </a:p>
+        </p:txBody>
+      </p:sp>
+      <p:sp>
+        <p:nvSpPr>
+          <p:cNvPr id="3" name="내용 개체 틀 2">
+            <a:extLst>
+              <a:ext uri="{FF2B5EF4-FFF2-40B4-BE49-F238E27FC236}">
+                <a16:creationId xmlns:a16="http://schemas.microsoft.com/office/drawing/2014/main" id="{FE8AE798-5B6D-1498-9FAA-D495175384AF}"/>
+              </a:ext>
+            </a:extLst>
+          </p:cNvPr>
+          <p:cNvSpPr>
+            <a:spLocks noGrp="1"/>
+          </p:cNvSpPr>
+          <p:nvPr>
+            <p:ph idx="1"/>
+          </p:nvPr>
+        </p:nvSpPr>
+        <p:spPr/>
+        <p:txBody>
+          <a:bodyPr/>
+          <a:lstStyle/>
+          <a:p>
+            <a:pPr marL="0" indent="0">
+              <a:buNone/>
+            </a:pPr>
+            <a:r>
+              <a:rPr lang="en-US" altLang="ko-KR" dirty="0">
+                <a:latin typeface="긱블말랑이" panose="020D0504000000000000" pitchFamily="34" charset="-127"/>
+                <a:ea typeface="긱블말랑이" panose="020D0504000000000000" pitchFamily="34" charset="-127"/>
+              </a:rPr>
+              <a:t>- 1</a:t>
+            </a:r>
+            <a:r>
+              <a:rPr lang="ko-KR" altLang="en-US" dirty="0">
+                <a:latin typeface="긱블말랑이" panose="020D0504000000000000" pitchFamily="34" charset="-127"/>
+                <a:ea typeface="긱블말랑이" panose="020D0504000000000000" pitchFamily="34" charset="-127"/>
+              </a:rPr>
+              <a:t>인 플레이</a:t>
+            </a:r>
+            <a:endParaRPr lang="en-US" altLang="ko-KR" dirty="0">
+              <a:latin typeface="긱블말랑이" panose="020D0504000000000000" pitchFamily="34" charset="-127"/>
+              <a:ea typeface="긱블말랑이" panose="020D0504000000000000" pitchFamily="34" charset="-127"/>
+            </a:endParaRPr>
+          </a:p>
+          <a:p>
+            <a:pPr marL="0" indent="0">
+              <a:buNone/>
+            </a:pPr>
+            <a:r>
+              <a:rPr lang="en-US" altLang="ko-KR" dirty="0">
+                <a:latin typeface="긱블말랑이" panose="020D0504000000000000" pitchFamily="34" charset="-127"/>
+                <a:ea typeface="긱블말랑이" panose="020D0504000000000000" pitchFamily="34" charset="-127"/>
+              </a:rPr>
+              <a:t>- </a:t>
+            </a:r>
+            <a:r>
+              <a:rPr lang="ko-KR" altLang="en-US" dirty="0">
+                <a:latin typeface="긱블말랑이" panose="020D0504000000000000" pitchFamily="34" charset="-127"/>
+                <a:ea typeface="긱블말랑이" panose="020D0504000000000000" pitchFamily="34" charset="-127"/>
+              </a:rPr>
+              <a:t>간단한 미니 게임 여러 개가 합해진 형식</a:t>
+            </a:r>
+            <a:endParaRPr lang="en-US" altLang="ko-KR" dirty="0">
+              <a:latin typeface="긱블말랑이" panose="020D0504000000000000" pitchFamily="34" charset="-127"/>
+              <a:ea typeface="긱블말랑이" panose="020D0504000000000000" pitchFamily="34" charset="-127"/>
+            </a:endParaRPr>
+          </a:p>
+          <a:p>
+            <a:pPr marL="0" indent="0">
+              <a:buNone/>
+            </a:pPr>
+            <a:r>
+              <a:rPr lang="en-US" altLang="ko-KR" dirty="0">
+                <a:latin typeface="긱블말랑이" panose="020D0504000000000000" pitchFamily="34" charset="-127"/>
+                <a:ea typeface="긱블말랑이" panose="020D0504000000000000" pitchFamily="34" charset="-127"/>
+              </a:rPr>
+              <a:t>- </a:t>
+            </a:r>
+            <a:r>
+              <a:rPr lang="ko-KR" altLang="en-US" dirty="0">
+                <a:latin typeface="긱블말랑이" panose="020D0504000000000000" pitchFamily="34" charset="-127"/>
+                <a:ea typeface="긱블말랑이" panose="020D0504000000000000" pitchFamily="34" charset="-127"/>
+              </a:rPr>
+              <a:t>종합 점수를 바탕으로 순위가 정해져 경쟁 가능</a:t>
+            </a:r>
+            <a:endParaRPr lang="en-US" altLang="ko-KR" dirty="0">
+              <a:latin typeface="긱블말랑이" panose="020D0504000000000000" pitchFamily="34" charset="-127"/>
+              <a:ea typeface="긱블말랑이" panose="020D0504000000000000" pitchFamily="34" charset="-127"/>
+            </a:endParaRPr>
+          </a:p>
+        </p:txBody>
+      </p:sp>
+    </p:spTree>
+    <p:extLst>
+      <p:ext uri="{BB962C8B-B14F-4D97-AF65-F5344CB8AC3E}">
+        <p14:creationId xmlns:p14="http://schemas.microsoft.com/office/powerpoint/2010/main" val="3134909957"/>
+      </p:ext>
+    </p:extLst>
+  </p:cSld>
+  <p:clrMapOvr>
+    <a:masterClrMapping/>
+  </p:clrMapOvr>
+</p:sld>
+</file>
+
+<file path=ppt/slides/slide9.xml><?xml version="1.0" encoding="utf-8"?>
+<p:sld xmlns:a="http://schemas.openxmlformats.org/drawingml/2006/main" xmlns:r="http://schemas.openxmlformats.org/officeDocument/2006/relationships" xmlns:p="http://schemas.openxmlformats.org/presentationml/2006/main">
+  <p:cSld>
+    <p:spTree>
+      <p:nvGrpSpPr>
+        <p:cNvPr id="1" name=""/>
+        <p:cNvGrpSpPr/>
+        <p:nvPr/>
+      </p:nvGrpSpPr>
+      <p:grpSpPr>
+        <a:xfrm>
+          <a:off x="0" y="0"/>
+          <a:ext cx="0" cy="0"/>
+          <a:chOff x="0" y="0"/>
+          <a:chExt cx="0" cy="0"/>
+        </a:xfrm>
+      </p:grpSpPr>
+      <p:sp>
+        <p:nvSpPr>
+          <p:cNvPr id="2" name="제목 1">
+            <a:extLst>
+              <a:ext uri="{FF2B5EF4-FFF2-40B4-BE49-F238E27FC236}">
+                <a16:creationId xmlns:a16="http://schemas.microsoft.com/office/drawing/2014/main" id="{4A149C74-17CF-4E78-8DEF-D9331DB27143}"/>
+              </a:ext>
+            </a:extLst>
+          </p:cNvPr>
+          <p:cNvSpPr>
+            <a:spLocks noGrp="1"/>
+          </p:cNvSpPr>
+          <p:nvPr>
+            <p:ph type="title"/>
+          </p:nvPr>
+        </p:nvSpPr>
+        <p:spPr/>
+        <p:txBody>
+          <a:bodyPr/>
+          <a:lstStyle/>
+          <a:p>
+            <a:r>
+              <a:rPr lang="ko-KR" altLang="en-US" dirty="0">
+                <a:latin typeface="긱블말랑이" panose="020D0504000000000000" pitchFamily="34" charset="-127"/>
+                <a:ea typeface="긱블말랑이" panose="020D0504000000000000" pitchFamily="34" charset="-127"/>
+              </a:rPr>
+              <a:t>게임 기획 </a:t>
+            </a:r>
+            <a:r>
+              <a:rPr lang="en-US" altLang="ko-KR" dirty="0">
+                <a:latin typeface="긱블말랑이" panose="020D0504000000000000" pitchFamily="34" charset="-127"/>
+                <a:ea typeface="긱블말랑이" panose="020D0504000000000000" pitchFamily="34" charset="-127"/>
+              </a:rPr>
+              <a:t>– </a:t>
+            </a:r>
+            <a:r>
+              <a:rPr lang="ko-KR" altLang="en-US" dirty="0">
+                <a:latin typeface="긱블말랑이" panose="020D0504000000000000" pitchFamily="34" charset="-127"/>
+                <a:ea typeface="긱블말랑이" panose="020D0504000000000000" pitchFamily="34" charset="-127"/>
+              </a:rPr>
+              <a:t>게임 </a:t>
+            </a:r>
+            <a:r>
+              <a:rPr lang="en-US" altLang="ko-KR" dirty="0">
+                <a:latin typeface="긱블말랑이" panose="020D0504000000000000" pitchFamily="34" charset="-127"/>
+                <a:ea typeface="긱블말랑이" panose="020D0504000000000000" pitchFamily="34" charset="-127"/>
+              </a:rPr>
+              <a:t>UI</a:t>
+            </a:r>
+            <a:endParaRPr lang="ko-KR" altLang="en-US" dirty="0">
+              <a:latin typeface="긱블말랑이" panose="020D0504000000000000" pitchFamily="34" charset="-127"/>
+              <a:ea typeface="긱블말랑이" panose="020D0504000000000000" pitchFamily="34" charset="-127"/>
+            </a:endParaRPr>
+          </a:p>
+        </p:txBody>
+      </p:sp>
+      <p:pic>
+        <p:nvPicPr>
+          <p:cNvPr id="5" name="내용 개체 틀 4" descr="텍스트, 스케치, 도표, 그림이(가) 표시된 사진&#10;&#10;자동 생성된 설명">
+            <a:extLst>
+              <a:ext uri="{FF2B5EF4-FFF2-40B4-BE49-F238E27FC236}">
+                <a16:creationId xmlns:a16="http://schemas.microsoft.com/office/drawing/2014/main" id="{0930D3F3-AFBD-B100-2A3C-B3E9CAD824E8}"/>
+              </a:ext>
+            </a:extLst>
+          </p:cNvPr>
+          <p:cNvPicPr>
+            <a:picLocks noGrp="1" noChangeAspect="1"/>
+          </p:cNvPicPr>
+          <p:nvPr>
+            <p:ph idx="1"/>
+          </p:nvPr>
+        </p:nvPicPr>
+        <p:blipFill>
+          <a:blip r:embed="rId2">
+            <a:extLst>
+              <a:ext uri="{28A0092B-C50C-407E-A947-70E740481C1C}">
+                <a14:useLocalDpi xmlns:a14="http://schemas.microsoft.com/office/drawing/2010/main" val="0"/>
+              </a:ext>
+            </a:extLst>
+          </a:blip>
+          <a:stretch>
+            <a:fillRect/>
+          </a:stretch>
+        </p:blipFill>
+        <p:spPr>
+          <a:xfrm>
+            <a:off x="838200" y="2394702"/>
+            <a:ext cx="4519240" cy="3055374"/>
+          </a:xfrm>
+        </p:spPr>
+      </p:pic>
+      <p:pic>
+        <p:nvPicPr>
+          <p:cNvPr id="7" name="그림 6" descr="스케치, 그림, 도표, 라인 아트이(가) 표시된 사진&#10;&#10;자동 생성된 설명">
+            <a:extLst>
+              <a:ext uri="{FF2B5EF4-FFF2-40B4-BE49-F238E27FC236}">
+                <a16:creationId xmlns:a16="http://schemas.microsoft.com/office/drawing/2014/main" id="{F5FD4C13-4D36-5799-D010-51D007B3306F}"/>
+              </a:ext>
+            </a:extLst>
+          </p:cNvPr>
+          <p:cNvPicPr>
+            <a:picLocks noChangeAspect="1"/>
+          </p:cNvPicPr>
+          <p:nvPr/>
+        </p:nvPicPr>
+        <p:blipFill>
+          <a:blip r:embed="rId3">
+            <a:extLst>
+              <a:ext uri="{28A0092B-C50C-407E-A947-70E740481C1C}">
+                <a14:useLocalDpi xmlns:a14="http://schemas.microsoft.com/office/drawing/2010/main" val="0"/>
+              </a:ext>
+            </a:extLst>
+          </a:blip>
+          <a:stretch>
+            <a:fillRect/>
+          </a:stretch>
+        </p:blipFill>
+        <p:spPr>
+          <a:xfrm>
+            <a:off x="6241929" y="2198556"/>
+            <a:ext cx="5279511" cy="3251520"/>
+          </a:xfrm>
+          <a:prstGeom prst="rect">
+            <a:avLst/>
+          </a:prstGeom>
+        </p:spPr>
+      </p:pic>
+      <p:sp>
+        <p:nvSpPr>
+          <p:cNvPr id="8" name="TextBox 7">
+            <a:extLst>
+              <a:ext uri="{FF2B5EF4-FFF2-40B4-BE49-F238E27FC236}">
+                <a16:creationId xmlns:a16="http://schemas.microsoft.com/office/drawing/2014/main" id="{F376F6AD-C42A-003A-3F4D-3A5635706189}"/>
+              </a:ext>
+            </a:extLst>
+          </p:cNvPr>
+          <p:cNvSpPr txBox="1"/>
+          <p:nvPr/>
+        </p:nvSpPr>
+        <p:spPr>
+          <a:xfrm>
+            <a:off x="2016366" y="5482004"/>
+            <a:ext cx="2162908" cy="369332"/>
+          </a:xfrm>
+          <a:prstGeom prst="rect">
+            <a:avLst/>
+          </a:prstGeom>
+          <a:noFill/>
+        </p:spPr>
+        <p:txBody>
+          <a:bodyPr wrap="square" rtlCol="0">
+            <a:spAutoFit/>
+          </a:bodyPr>
+          <a:lstStyle/>
+          <a:p>
+            <a:r>
+              <a:rPr lang="ko-KR" altLang="en-US">
+                <a:latin typeface="긱블말랑이" panose="020D0504000000000000" pitchFamily="34" charset="-127"/>
+                <a:ea typeface="긱블말랑이" panose="020D0504000000000000" pitchFamily="34" charset="-127"/>
+              </a:rPr>
+              <a:t>게임 시작 전 설명 화면</a:t>
+            </a:r>
+          </a:p>
+        </p:txBody>
+      </p:sp>
+      <p:sp>
+        <p:nvSpPr>
+          <p:cNvPr id="9" name="TextBox 8">
+            <a:extLst>
+              <a:ext uri="{FF2B5EF4-FFF2-40B4-BE49-F238E27FC236}">
+                <a16:creationId xmlns:a16="http://schemas.microsoft.com/office/drawing/2014/main" id="{FA55BE3C-FE29-96F9-0A13-407956C81722}"/>
+              </a:ext>
+            </a:extLst>
+          </p:cNvPr>
+          <p:cNvSpPr txBox="1"/>
+          <p:nvPr/>
+        </p:nvSpPr>
+        <p:spPr>
+          <a:xfrm>
+            <a:off x="7800230" y="5450076"/>
+            <a:ext cx="2162908" cy="369332"/>
+          </a:xfrm>
+          <a:prstGeom prst="rect">
+            <a:avLst/>
+          </a:prstGeom>
+          <a:noFill/>
+        </p:spPr>
+        <p:txBody>
+          <a:bodyPr wrap="square" rtlCol="0">
+            <a:spAutoFit/>
+          </a:bodyPr>
+          <a:lstStyle/>
+          <a:p>
+            <a:r>
+              <a:rPr lang="ko-KR" altLang="en-US" dirty="0">
+                <a:latin typeface="긱블말랑이" panose="020D0504000000000000" pitchFamily="34" charset="-127"/>
+                <a:ea typeface="긱블말랑이" panose="020D0504000000000000" pitchFamily="34" charset="-127"/>
+              </a:rPr>
+              <a:t>인 게임 화면 예시</a:t>
+            </a:r>
+          </a:p>
+        </p:txBody>
+      </p:sp>
+    </p:spTree>
+    <p:extLst>
+      <p:ext uri="{BB962C8B-B14F-4D97-AF65-F5344CB8AC3E}">
+        <p14:creationId xmlns:p14="http://schemas.microsoft.com/office/powerpoint/2010/main" val="3943528085"/>
       </p:ext>
     </p:extLst>
   </p:cSld>
